--- a/Assets/StarWarsBanners.pptx
+++ b/Assets/StarWarsBanners.pptx
@@ -15,6 +15,7 @@
     <p:sldId id="263" r:id="rId10"/>
     <p:sldId id="264" r:id="rId11"/>
     <p:sldId id="265" r:id="rId12"/>
+    <p:sldId id="266" r:id="rId13"/>
   </p:sldIdLst>
   <p:sldSz cx="12192000" cy="6858000"/>
   <p:notesSz cx="6858000" cy="12192000"/>
@@ -3768,6 +3769,256 @@
 </p:sld>
 </file>
 
+<file path=ppt/slides/slide11.xml><?xml version="1.0" encoding="utf-8"?>
+<p:sld xmlns:a="http://schemas.openxmlformats.org/drawingml/2006/main" xmlns:r="http://schemas.openxmlformats.org/officeDocument/2006/relationships" xmlns:p="http://schemas.openxmlformats.org/presentationml/2006/main" xmlns:m="http://schemas.openxmlformats.org/officeDocument/2006/math" xmlns:w="http://schemas.openxmlformats.org/wordprocessingml/2006/main" showMasterPhAnim="0" show="1">
+  <p:cSld name="">
+    <p:bg>
+      <p:bgPr shadeToTitle="0">
+        <a:solidFill>
+          <a:schemeClr val="tx1"/>
+        </a:solidFill>
+      </p:bgPr>
+    </p:bg>
+    <p:spTree>
+      <p:nvGrpSpPr>
+        <p:cNvPr id="1" name="" hidden="0"/>
+        <p:cNvGrpSpPr/>
+        <p:nvPr isPhoto="0" userDrawn="0"/>
+      </p:nvGrpSpPr>
+      <p:grpSpPr bwMode="auto">
+        <a:xfrm>
+          <a:off x="0" y="0"/>
+          <a:ext cx="0" cy="0"/>
+          <a:chOff x="0" y="0"/>
+          <a:chExt cx="0" cy="0"/>
+        </a:xfrm>
+      </p:grpSpPr>
+      <p:pic>
+        <p:nvPicPr>
+          <p:cNvPr id="4" name="" hidden="0"/>
+          <p:cNvPicPr>
+            <a:picLocks noChangeAspect="1"/>
+          </p:cNvPicPr>
+          <p:nvPr isPhoto="0" userDrawn="0"/>
+        </p:nvPicPr>
+        <p:blipFill>
+          <a:blip r:embed="rId2"/>
+          <a:srcRect l="0" t="6492" r="0" b="0"/>
+          <a:stretch/>
+        </p:blipFill>
+        <p:spPr bwMode="auto">
+          <a:xfrm flipH="0" flipV="0">
+            <a:off x="6333233" y="661403"/>
+            <a:ext cx="4910617" cy="5143461"/>
+          </a:xfrm>
+          <a:prstGeom prst="rect">
+            <a:avLst/>
+          </a:prstGeom>
+        </p:spPr>
+      </p:pic>
+      <p:sp>
+        <p:nvSpPr>
+          <p:cNvPr id="5" name="" hidden="0"/>
+          <p:cNvSpPr/>
+          <p:nvPr isPhoto="0" userDrawn="0"/>
+        </p:nvSpPr>
+        <p:spPr bwMode="auto">
+          <a:xfrm>
+            <a:off x="5968558" y="3291840"/>
+            <a:ext cx="254916" cy="365794"/>
+          </a:xfrm>
+        </p:spPr>
+        <p:txBody>
+          <a:bodyPr rot="0" spcFirstLastPara="0" vertOverflow="overflow" horzOverflow="clip" vert="horz" wrap="square" lIns="91440" tIns="45720" rIns="91440" bIns="45720" numCol="1" spcCol="0" rtlCol="0" fromWordArt="0" anchor="t" anchorCtr="0" forceAA="0" upright="0" compatLnSpc="1">
+            <a:prstTxWarp prst="textNoShape"/>
+            <a:spAutoFit/>
+          </a:bodyPr>
+          <a:p>
+            <a:pPr>
+              <a:defRPr/>
+            </a:pPr>
+            <a:endParaRPr/>
+          </a:p>
+        </p:txBody>
+      </p:sp>
+      <p:pic>
+        <p:nvPicPr>
+          <p:cNvPr id="6" name="" hidden="0"/>
+          <p:cNvPicPr>
+            <a:picLocks noChangeAspect="1"/>
+          </p:cNvPicPr>
+          <p:nvPr isPhoto="0" userDrawn="0"/>
+        </p:nvPicPr>
+        <p:blipFill>
+          <a:blip r:embed="rId3"/>
+          <a:srcRect l="3100" t="847" r="2787" b="5408"/>
+          <a:stretch/>
+        </p:blipFill>
+        <p:spPr bwMode="auto">
+          <a:xfrm flipH="0" flipV="0">
+            <a:off x="775877" y="661403"/>
+            <a:ext cx="5444187" cy="5626666"/>
+          </a:xfrm>
+          <a:prstGeom prst="rect">
+            <a:avLst/>
+          </a:prstGeom>
+        </p:spPr>
+      </p:pic>
+      <p:sp>
+        <p:nvSpPr>
+          <p:cNvPr id="7" name="" hidden="0"/>
+          <p:cNvSpPr/>
+          <p:nvPr isPhoto="0" userDrawn="0"/>
+        </p:nvSpPr>
+        <p:spPr bwMode="auto">
+          <a:xfrm>
+            <a:off x="8607777" y="3108942"/>
+            <a:ext cx="254916" cy="365794"/>
+          </a:xfrm>
+        </p:spPr>
+        <p:txBody>
+          <a:bodyPr rot="0" spcFirstLastPara="0" vertOverflow="overflow" horzOverflow="clip" vert="horz" wrap="square" lIns="91440" tIns="45720" rIns="91440" bIns="45720" numCol="1" spcCol="0" rtlCol="0" fromWordArt="0" anchor="t" anchorCtr="0" forceAA="0" upright="0" compatLnSpc="1">
+            <a:prstTxWarp prst="textNoShape"/>
+            <a:spAutoFit/>
+          </a:bodyPr>
+          <a:p>
+            <a:pPr>
+              <a:defRPr/>
+            </a:pPr>
+            <a:endParaRPr/>
+          </a:p>
+        </p:txBody>
+      </p:sp>
+      <p:sp>
+        <p:nvSpPr>
+          <p:cNvPr id="8" name="" hidden="0"/>
+          <p:cNvSpPr/>
+          <p:nvPr isPhoto="0" userDrawn="0"/>
+        </p:nvSpPr>
+        <p:spPr bwMode="auto">
+          <a:xfrm flipH="0" flipV="0">
+            <a:off x="4007489" y="4984221"/>
+            <a:ext cx="7656284" cy="973773"/>
+          </a:xfrm>
+          <a:prstGeom prst="rect">
+            <a:avLst/>
+          </a:prstGeom>
+          <a:noFill/>
+        </p:spPr>
+        <p:txBody>
+          <a:bodyPr vertOverflow="overflow" horzOverflow="clip" vert="horz" wrap="square" lIns="91440" tIns="45720" rIns="91440" bIns="45720" numCol="1" spcCol="0" rtlCol="0" fromWordArt="0" anchor="t" anchorCtr="0" forceAA="0" upright="0" compatLnSpc="0">
+            <a:noAutofit/>
+          </a:bodyPr>
+          <a:p>
+            <a:pPr algn="ctr">
+              <a:defRPr/>
+            </a:pPr>
+            <a:r>
+              <a:rPr sz="3600" b="1">
+                <a:solidFill>
+                  <a:schemeClr val="bg1"/>
+                </a:solidFill>
+                <a:latin typeface="Helvetica 55 Roman"/>
+                <a:ea typeface="Helvetica 55 Roman"/>
+                <a:cs typeface="Helvetica 55 Roman"/>
+              </a:rPr>
+              <a:t>Star Wars Data Science</a:t>
+            </a:r>
+            <a:endParaRPr sz="3600" b="1">
+              <a:solidFill>
+                <a:schemeClr val="bg1"/>
+              </a:solidFill>
+              <a:latin typeface="Helvetica 55 Roman"/>
+              <a:ea typeface="Helvetica 55 Roman"/>
+              <a:cs typeface="Helvetica 55 Roman"/>
+            </a:endParaRPr>
+          </a:p>
+          <a:p>
+            <a:pPr algn="ctr">
+              <a:defRPr/>
+            </a:pPr>
+            <a:r>
+              <a:rPr sz="3200" b="1">
+                <a:solidFill>
+                  <a:schemeClr val="bg1"/>
+                </a:solidFill>
+                <a:latin typeface="Helvetica 55 Roman"/>
+                <a:ea typeface="Helvetica 55 Roman"/>
+                <a:cs typeface="Helvetica 55 Roman"/>
+              </a:rPr>
+              <a:t>May the fourth 2021</a:t>
+            </a:r>
+            <a:endParaRPr sz="3200" b="1">
+              <a:solidFill>
+                <a:schemeClr val="bg1"/>
+              </a:solidFill>
+              <a:latin typeface="Helvetica 55 Roman"/>
+              <a:ea typeface="Helvetica 55 Roman"/>
+              <a:cs typeface="Helvetica 55 Roman"/>
+            </a:endParaRPr>
+          </a:p>
+        </p:txBody>
+      </p:sp>
+      <p:sp>
+        <p:nvSpPr>
+          <p:cNvPr id="9" name="" hidden="0"/>
+          <p:cNvSpPr/>
+          <p:nvPr isPhoto="0" userDrawn="0"/>
+        </p:nvSpPr>
+        <p:spPr bwMode="auto">
+          <a:xfrm flipH="0" flipV="0">
+            <a:off x="1936375" y="5827968"/>
+            <a:ext cx="4708071" cy="365794"/>
+          </a:xfrm>
+          <a:prstGeom prst="rect">
+            <a:avLst/>
+          </a:prstGeom>
+          <a:noFill/>
+        </p:spPr>
+        <p:txBody>
+          <a:bodyPr vertOverflow="overflow" horzOverflow="clip" vert="horz" wrap="square" lIns="91440" tIns="45720" rIns="91440" bIns="45720" numCol="1" spcCol="0" rtlCol="0" fromWordArt="0" anchor="t" anchorCtr="0" forceAA="0" upright="0" compatLnSpc="0">
+            <a:noAutofit/>
+          </a:bodyPr>
+          <a:p>
+            <a:pPr>
+              <a:defRPr/>
+            </a:pPr>
+            <a:r>
+              <a:rPr sz="1600">
+                <a:solidFill>
+                  <a:schemeClr val="bg1">
+                    <a:lumMod val="95000"/>
+                  </a:schemeClr>
+                </a:solidFill>
+              </a:rPr>
+              <a:t>www.linkedin.com/in/dennisbakhuis</a:t>
+            </a:r>
+            <a:endParaRPr sz="1600">
+              <a:solidFill>
+                <a:schemeClr val="bg1">
+                  <a:lumMod val="95000"/>
+                </a:schemeClr>
+              </a:solidFill>
+            </a:endParaRPr>
+          </a:p>
+        </p:txBody>
+      </p:sp>
+    </p:spTree>
+  </p:cSld>
+  <p:clrMapOvr>
+    <a:masterClrMapping/>
+  </p:clrMapOvr>
+  <mc:AlternateContent xmlns:mc="http://schemas.openxmlformats.org/markup-compatibility/2006">
+    <mc:Choice xmlns:p14="http://schemas.microsoft.com/office/powerpoint/2010/main" Requires="p14">
+      <p:transition p14:dur="2000" advClick="1"/>
+    </mc:Choice>
+    <mc:Fallback>
+      <p:transition advClick="1"/>
+    </mc:Fallback>
+  </mc:AlternateContent>
+</p:sld>
+</file>
+
 <file path=ppt/slides/slide2.xml><?xml version="1.0" encoding="utf-8"?>
 <p:sld xmlns:a="http://schemas.openxmlformats.org/drawingml/2006/main" xmlns:r="http://schemas.openxmlformats.org/officeDocument/2006/relationships" xmlns:p="http://schemas.openxmlformats.org/presentationml/2006/main" xmlns:m="http://schemas.openxmlformats.org/officeDocument/2006/math" xmlns:w="http://schemas.openxmlformats.org/wordprocessingml/2006/main" showMasterPhAnim="0" show="1">
   <p:cSld name="">
@@ -3793,7 +4044,7 @@
         </p:nvSpPr>
         <p:spPr bwMode="auto">
           <a:xfrm flipH="0" flipV="0">
-            <a:off x="5234435" y="2782895"/>
+            <a:off x="5234434" y="2782895"/>
             <a:ext cx="204628" cy="314445"/>
           </a:xfrm>
         </p:spPr>
@@ -3867,7 +4118,7 @@
         </p:nvPicPr>
         <p:blipFill>
           <a:blip r:embed="rId3"/>
-          <a:srcRect l="0" t="0" r="0" b="7294"/>
+          <a:srcRect l="0" t="0" r="0" b="7293"/>
           <a:stretch/>
         </p:blipFill>
         <p:spPr bwMode="auto">
@@ -4176,7 +4427,7 @@
         <p:spPr bwMode="auto">
           <a:xfrm flipH="0" flipV="0">
             <a:off x="8519671" y="1332959"/>
-            <a:ext cx="2960324" cy="3433349"/>
+            <a:ext cx="2960324" cy="3433348"/>
           </a:xfrm>
           <a:prstGeom prst="rect">
             <a:avLst/>
@@ -4858,7 +5109,7 @@
         </p:nvSpPr>
         <p:spPr bwMode="auto">
           <a:xfrm flipH="0" flipV="0">
-            <a:off x="6430540" y="590794"/>
+            <a:off x="6430540" y="590793"/>
             <a:ext cx="2114224" cy="365794"/>
           </a:xfrm>
           <a:prstGeom prst="rect">
@@ -4973,7 +5224,7 @@
         </p:nvPicPr>
         <p:blipFill>
           <a:blip r:embed="rId3"/>
-          <a:srcRect l="3100" t="847" r="2788" b="5408"/>
+          <a:srcRect l="3100" t="847" r="2787" b="5408"/>
           <a:stretch/>
         </p:blipFill>
         <p:spPr bwMode="auto">
@@ -5223,6 +5474,29 @@
           </a:p>
         </p:txBody>
       </p:sp>
+      <p:pic>
+        <p:nvPicPr>
+          <p:cNvPr id="5" name="" hidden="0"/>
+          <p:cNvPicPr>
+            <a:picLocks noChangeAspect="1"/>
+          </p:cNvPicPr>
+          <p:nvPr isPhoto="0" userDrawn="0"/>
+        </p:nvPicPr>
+        <p:blipFill>
+          <a:blip r:embed="rId2"/>
+          <a:srcRect l="6056" t="6492" r="5763" b="11292"/>
+          <a:stretch/>
+        </p:blipFill>
+        <p:spPr bwMode="auto">
+          <a:xfrm flipH="0" flipV="0">
+            <a:off x="2819437" y="7079"/>
+            <a:ext cx="6545587" cy="6836106"/>
+          </a:xfrm>
+          <a:prstGeom prst="rect">
+            <a:avLst/>
+          </a:prstGeom>
+        </p:spPr>
+      </p:pic>
     </p:spTree>
   </p:cSld>
   <p:clrMapOvr>
